--- a/1_Basics/Julia_intro_Krakow_2024.pptx
+++ b/1_Basics/Julia_intro_Krakow_2024.pptx
@@ -280,7 +280,7 @@
           <a:p>
             <a:fld id="{AFF69BB9-9384-482D-84B0-29C30389D114}" type="datetimeFigureOut">
               <a:rPr lang="en-US" smtClean="0"/>
-              <a:t>2/26/2024</a:t>
+              <a:t>9/16/2024</a:t>
             </a:fld>
             <a:endParaRPr lang="en-US"/>
           </a:p>
@@ -967,7 +967,7 @@
           <a:p>
             <a:fld id="{6F10A292-C937-4941-BFBF-6FE9C327C80F}" type="datetimeFigureOut">
               <a:rPr lang="en-US" smtClean="0"/>
-              <a:t>2/26/2024</a:t>
+              <a:t>9/16/2024</a:t>
             </a:fld>
             <a:endParaRPr lang="en-US"/>
           </a:p>
@@ -1165,7 +1165,7 @@
           <a:p>
             <a:fld id="{6F10A292-C937-4941-BFBF-6FE9C327C80F}" type="datetimeFigureOut">
               <a:rPr lang="en-US" smtClean="0"/>
-              <a:t>2/26/2024</a:t>
+              <a:t>9/16/2024</a:t>
             </a:fld>
             <a:endParaRPr lang="en-US"/>
           </a:p>
@@ -1373,7 +1373,7 @@
           <a:p>
             <a:fld id="{6F10A292-C937-4941-BFBF-6FE9C327C80F}" type="datetimeFigureOut">
               <a:rPr lang="en-US" smtClean="0"/>
-              <a:t>2/26/2024</a:t>
+              <a:t>9/16/2024</a:t>
             </a:fld>
             <a:endParaRPr lang="en-US"/>
           </a:p>
@@ -1930,7 +1930,7 @@
           <a:p>
             <a:fld id="{6F10A292-C937-4941-BFBF-6FE9C327C80F}" type="datetimeFigureOut">
               <a:rPr lang="en-US" smtClean="0"/>
-              <a:t>2/26/2024</a:t>
+              <a:t>9/16/2024</a:t>
             </a:fld>
             <a:endParaRPr lang="en-US"/>
           </a:p>
@@ -2205,7 +2205,7 @@
           <a:p>
             <a:fld id="{6F10A292-C937-4941-BFBF-6FE9C327C80F}" type="datetimeFigureOut">
               <a:rPr lang="en-US" smtClean="0"/>
-              <a:t>2/26/2024</a:t>
+              <a:t>9/16/2024</a:t>
             </a:fld>
             <a:endParaRPr lang="en-US"/>
           </a:p>
@@ -2470,7 +2470,7 @@
           <a:p>
             <a:fld id="{6F10A292-C937-4941-BFBF-6FE9C327C80F}" type="datetimeFigureOut">
               <a:rPr lang="en-US" smtClean="0"/>
-              <a:t>2/26/2024</a:t>
+              <a:t>9/16/2024</a:t>
             </a:fld>
             <a:endParaRPr lang="en-US"/>
           </a:p>
@@ -2882,7 +2882,7 @@
           <a:p>
             <a:fld id="{6F10A292-C937-4941-BFBF-6FE9C327C80F}" type="datetimeFigureOut">
               <a:rPr lang="en-US" smtClean="0"/>
-              <a:t>2/26/2024</a:t>
+              <a:t>9/16/2024</a:t>
             </a:fld>
             <a:endParaRPr lang="en-US"/>
           </a:p>
@@ -3023,7 +3023,7 @@
           <a:p>
             <a:fld id="{6F10A292-C937-4941-BFBF-6FE9C327C80F}" type="datetimeFigureOut">
               <a:rPr lang="en-US" smtClean="0"/>
-              <a:t>2/26/2024</a:t>
+              <a:t>9/16/2024</a:t>
             </a:fld>
             <a:endParaRPr lang="en-US"/>
           </a:p>
@@ -3136,7 +3136,7 @@
           <a:p>
             <a:fld id="{6F10A292-C937-4941-BFBF-6FE9C327C80F}" type="datetimeFigureOut">
               <a:rPr lang="en-US" smtClean="0"/>
-              <a:t>2/26/2024</a:t>
+              <a:t>9/16/2024</a:t>
             </a:fld>
             <a:endParaRPr lang="en-US"/>
           </a:p>
@@ -3447,7 +3447,7 @@
           <a:p>
             <a:fld id="{6F10A292-C937-4941-BFBF-6FE9C327C80F}" type="datetimeFigureOut">
               <a:rPr lang="en-US" smtClean="0"/>
-              <a:t>2/26/2024</a:t>
+              <a:t>9/16/2024</a:t>
             </a:fld>
             <a:endParaRPr lang="en-US"/>
           </a:p>
@@ -3735,7 +3735,7 @@
           <a:p>
             <a:fld id="{6F10A292-C937-4941-BFBF-6FE9C327C80F}" type="datetimeFigureOut">
               <a:rPr lang="en-US" smtClean="0"/>
-              <a:t>2/26/2024</a:t>
+              <a:t>9/16/2024</a:t>
             </a:fld>
             <a:endParaRPr lang="en-US"/>
           </a:p>
@@ -3976,7 +3976,7 @@
           <a:p>
             <a:fld id="{6F10A292-C937-4941-BFBF-6FE9C327C80F}" type="datetimeFigureOut">
               <a:rPr lang="en-US" smtClean="0"/>
-              <a:t>2/26/2024</a:t>
+              <a:t>9/16/2024</a:t>
             </a:fld>
             <a:endParaRPr lang="en-US"/>
           </a:p>
@@ -4412,8 +4412,8 @@
         </p:nvSpPr>
         <p:spPr>
           <a:xfrm>
-            <a:off x="78419" y="443883"/>
-            <a:ext cx="12152670" cy="1589977"/>
+            <a:off x="39330" y="80546"/>
+            <a:ext cx="12152670" cy="948912"/>
           </a:xfrm>
         </p:spPr>
         <p:txBody>
@@ -4426,17 +4426,8 @@
               <a:rPr lang="en-GB" b="1" dirty="0">
                 <a:latin typeface="Verdana" panose="020B0604030504040204" pitchFamily="34" charset="0"/>
               </a:rPr>
-              <a:t>Your first steps </a:t>
-            </a:r>
-            <a:r>
-              <a:rPr lang="en-GB" b="1">
-                <a:latin typeface="Verdana" panose="020B0604030504040204" pitchFamily="34" charset="0"/>
-              </a:rPr>
-              <a:t>with Julia</a:t>
-            </a:r>
-            <a:endParaRPr lang="en-GB" b="1" dirty="0">
-              <a:latin typeface="Verdana" panose="020B0604030504040204" pitchFamily="34" charset="0"/>
-            </a:endParaRPr>
+              <a:t>Your first steps with Julia</a:t>
+            </a:r>
           </a:p>
         </p:txBody>
       </p:sp>
@@ -4448,8 +4439,8 @@
         </p:nvSpPr>
         <p:spPr>
           <a:xfrm>
-            <a:off x="1495256" y="2845611"/>
-            <a:ext cx="8817788" cy="2554545"/>
+            <a:off x="423410" y="1967061"/>
+            <a:ext cx="4548262" cy="2923877"/>
           </a:xfrm>
           <a:prstGeom prst="rect">
             <a:avLst/>
@@ -4465,7 +4456,7 @@
             <a:pPr algn="ctr"/>
             <a:r>
               <a:rPr lang="pl-PL" sz="4000" b="1" dirty="0"/>
-              <a:t>Przemysław Szufel, PhD</a:t>
+              <a:t>Przemysław Szufel</a:t>
             </a:r>
             <a:endParaRPr lang="en-US" sz="4000" b="1" dirty="0"/>
           </a:p>
@@ -4480,7 +4471,14 @@
             <a:pPr algn="ctr"/>
             <a:r>
               <a:rPr lang="en-US" sz="2400" b="1" dirty="0"/>
-              <a:t>Assistant Professor – SGH Warsaw School of Economics</a:t>
+              <a:t>Assistant Professor </a:t>
+            </a:r>
+          </a:p>
+          <a:p>
+            <a:pPr algn="ctr"/>
+            <a:r>
+              <a:rPr lang="en-US" sz="2400" b="1" dirty="0"/>
+              <a:t>SGH Warsaw School of Economics</a:t>
             </a:r>
           </a:p>
           <a:p>
@@ -4529,6 +4527,36 @@
           </a:p>
         </p:txBody>
       </p:sp>
+      <p:pic>
+        <p:nvPicPr>
+          <p:cNvPr id="6" name="Obraz 5">
+            <a:extLst>
+              <a:ext uri="{FF2B5EF4-FFF2-40B4-BE49-F238E27FC236}">
+                <a16:creationId xmlns:a16="http://schemas.microsoft.com/office/drawing/2014/main" id="{965A4778-C111-DBC3-F0C9-9CAE20AE4CA5}"/>
+              </a:ext>
+            </a:extLst>
+          </p:cNvPr>
+          <p:cNvPicPr>
+            <a:picLocks noChangeAspect="1"/>
+          </p:cNvPicPr>
+          <p:nvPr/>
+        </p:nvPicPr>
+        <p:blipFill>
+          <a:blip r:embed="rId2"/>
+          <a:stretch>
+            <a:fillRect/>
+          </a:stretch>
+        </p:blipFill>
+        <p:spPr>
+          <a:xfrm>
+            <a:off x="5929263" y="967070"/>
+            <a:ext cx="5839327" cy="5810384"/>
+          </a:xfrm>
+          <a:prstGeom prst="rect">
+            <a:avLst/>
+          </a:prstGeom>
+        </p:spPr>
+      </p:pic>
     </p:spTree>
     <p:extLst>
       <p:ext uri="{BB962C8B-B14F-4D97-AF65-F5344CB8AC3E}">
